--- a/Notes and others/nbl_glm result.pptx
+++ b/Notes and others/nbl_glm result.pptx
@@ -8,6 +8,9 @@
     <p:sldId id="256" r:id="rId2"/>
     <p:sldId id="257" r:id="rId3"/>
     <p:sldId id="258" r:id="rId4"/>
+    <p:sldId id="259" r:id="rId5"/>
+    <p:sldId id="260" r:id="rId6"/>
+    <p:sldId id="261" r:id="rId7"/>
   </p:sldIdLst>
   <p:sldSz cx="12192000" cy="6858000"/>
   <p:notesSz cx="6858000" cy="9144000"/>
@@ -106,6 +109,11 @@
       </a:defRPr>
     </a:lvl9pPr>
   </p:defaultTextStyle>
+  <p:extLst>
+    <p:ext uri="{EFAFB233-063F-42B5-8137-9DF3F51BA10A}">
+      <p15:sldGuideLst xmlns:p15="http://schemas.microsoft.com/office/powerpoint/2012/main"/>
+    </p:ext>
+  </p:extLst>
 </p:presentation>
 </file>
 
@@ -240,7 +248,7 @@
           <a:p>
             <a:fld id="{D0171BA4-7E8D-460E-AF5D-A25830FFC5B5}" type="datetimeFigureOut">
               <a:rPr lang="en-US" smtClean="0"/>
-              <a:t>5/3/2024</a:t>
+              <a:t>8/31/2024</a:t>
             </a:fld>
             <a:endParaRPr lang="en-US"/>
           </a:p>
@@ -410,7 +418,7 @@
           <a:p>
             <a:fld id="{D0171BA4-7E8D-460E-AF5D-A25830FFC5B5}" type="datetimeFigureOut">
               <a:rPr lang="en-US" smtClean="0"/>
-              <a:t>5/3/2024</a:t>
+              <a:t>8/31/2024</a:t>
             </a:fld>
             <a:endParaRPr lang="en-US"/>
           </a:p>
@@ -590,7 +598,7 @@
           <a:p>
             <a:fld id="{D0171BA4-7E8D-460E-AF5D-A25830FFC5B5}" type="datetimeFigureOut">
               <a:rPr lang="en-US" smtClean="0"/>
-              <a:t>5/3/2024</a:t>
+              <a:t>8/31/2024</a:t>
             </a:fld>
             <a:endParaRPr lang="en-US"/>
           </a:p>
@@ -760,7 +768,7 @@
           <a:p>
             <a:fld id="{D0171BA4-7E8D-460E-AF5D-A25830FFC5B5}" type="datetimeFigureOut">
               <a:rPr lang="en-US" smtClean="0"/>
-              <a:t>5/3/2024</a:t>
+              <a:t>8/31/2024</a:t>
             </a:fld>
             <a:endParaRPr lang="en-US"/>
           </a:p>
@@ -1006,7 +1014,7 @@
           <a:p>
             <a:fld id="{D0171BA4-7E8D-460E-AF5D-A25830FFC5B5}" type="datetimeFigureOut">
               <a:rPr lang="en-US" smtClean="0"/>
-              <a:t>5/3/2024</a:t>
+              <a:t>8/31/2024</a:t>
             </a:fld>
             <a:endParaRPr lang="en-US"/>
           </a:p>
@@ -1238,7 +1246,7 @@
           <a:p>
             <a:fld id="{D0171BA4-7E8D-460E-AF5D-A25830FFC5B5}" type="datetimeFigureOut">
               <a:rPr lang="en-US" smtClean="0"/>
-              <a:t>5/3/2024</a:t>
+              <a:t>8/31/2024</a:t>
             </a:fld>
             <a:endParaRPr lang="en-US"/>
           </a:p>
@@ -1605,7 +1613,7 @@
           <a:p>
             <a:fld id="{D0171BA4-7E8D-460E-AF5D-A25830FFC5B5}" type="datetimeFigureOut">
               <a:rPr lang="en-US" smtClean="0"/>
-              <a:t>5/3/2024</a:t>
+              <a:t>8/31/2024</a:t>
             </a:fld>
             <a:endParaRPr lang="en-US"/>
           </a:p>
@@ -1723,7 +1731,7 @@
           <a:p>
             <a:fld id="{D0171BA4-7E8D-460E-AF5D-A25830FFC5B5}" type="datetimeFigureOut">
               <a:rPr lang="en-US" smtClean="0"/>
-              <a:t>5/3/2024</a:t>
+              <a:t>8/31/2024</a:t>
             </a:fld>
             <a:endParaRPr lang="en-US"/>
           </a:p>
@@ -1818,7 +1826,7 @@
           <a:p>
             <a:fld id="{D0171BA4-7E8D-460E-AF5D-A25830FFC5B5}" type="datetimeFigureOut">
               <a:rPr lang="en-US" smtClean="0"/>
-              <a:t>5/3/2024</a:t>
+              <a:t>8/31/2024</a:t>
             </a:fld>
             <a:endParaRPr lang="en-US"/>
           </a:p>
@@ -2095,7 +2103,7 @@
           <a:p>
             <a:fld id="{D0171BA4-7E8D-460E-AF5D-A25830FFC5B5}" type="datetimeFigureOut">
               <a:rPr lang="en-US" smtClean="0"/>
-              <a:t>5/3/2024</a:t>
+              <a:t>8/31/2024</a:t>
             </a:fld>
             <a:endParaRPr lang="en-US"/>
           </a:p>
@@ -2348,7 +2356,7 @@
           <a:p>
             <a:fld id="{D0171BA4-7E8D-460E-AF5D-A25830FFC5B5}" type="datetimeFigureOut">
               <a:rPr lang="en-US" smtClean="0"/>
-              <a:t>5/3/2024</a:t>
+              <a:t>8/31/2024</a:t>
             </a:fld>
             <a:endParaRPr lang="en-US"/>
           </a:p>
@@ -2561,7 +2569,7 @@
           <a:p>
             <a:fld id="{D0171BA4-7E8D-460E-AF5D-A25830FFC5B5}" type="datetimeFigureOut">
               <a:rPr lang="en-US" smtClean="0"/>
-              <a:t>5/3/2024</a:t>
+              <a:t>8/31/2024</a:t>
             </a:fld>
             <a:endParaRPr lang="en-US"/>
           </a:p>
@@ -3012,15 +3020,7 @@
           <a:p>
             <a:r>
               <a:rPr lang="en-US" sz="1400" dirty="0" smtClean="0"/>
-              <a:t>  ab              </a:t>
-            </a:r>
-            <a:r>
-              <a:rPr lang="en-US" sz="1400" dirty="0" smtClean="0"/>
-              <a:t>ab</a:t>
-            </a:r>
-            <a:r>
-              <a:rPr lang="en-US" sz="1400" dirty="0" smtClean="0"/>
-              <a:t>              bc 	          a	     bc</a:t>
+              <a:t>  ab              ab              bc 	          a	     bc</a:t>
             </a:r>
             <a:endParaRPr lang="en-US" sz="1400" dirty="0"/>
           </a:p>
@@ -3056,81 +3056,58 @@
           <a:chExt cx="0" cy="0"/>
         </a:xfrm>
       </p:grpSpPr>
-      <p:grpSp>
-        <p:nvGrpSpPr>
-          <p:cNvPr id="6" name="Group 5"/>
-          <p:cNvGrpSpPr/>
+      <p:pic>
+        <p:nvPicPr>
+          <p:cNvPr id="4" name="Picture 3"/>
+          <p:cNvPicPr/>
           <p:nvPr/>
-        </p:nvGrpSpPr>
-        <p:grpSpPr>
+        </p:nvPicPr>
+        <p:blipFill>
+          <a:blip r:embed="rId2"/>
+          <a:stretch>
+            <a:fillRect/>
+          </a:stretch>
+        </p:blipFill>
+        <p:spPr>
           <a:xfrm>
             <a:off x="3907790" y="1771650"/>
             <a:ext cx="4376420" cy="3314700"/>
-            <a:chOff x="3907790" y="1771650"/>
-            <a:chExt cx="4376420" cy="3314700"/>
           </a:xfrm>
-        </p:grpSpPr>
-        <p:pic>
-          <p:nvPicPr>
-            <p:cNvPr id="4" name="Picture 3"/>
-            <p:cNvPicPr/>
-            <p:nvPr/>
-          </p:nvPicPr>
-          <p:blipFill>
-            <a:blip r:embed="rId2"/>
-            <a:stretch>
-              <a:fillRect/>
-            </a:stretch>
-          </p:blipFill>
-          <p:spPr>
-            <a:xfrm>
-              <a:off x="3907790" y="1771650"/>
-              <a:ext cx="4376420" cy="3314700"/>
-            </a:xfrm>
-            <a:prstGeom prst="rect">
-              <a:avLst/>
-            </a:prstGeom>
-          </p:spPr>
-        </p:pic>
-        <p:sp>
-          <p:nvSpPr>
-            <p:cNvPr id="5" name="TextBox 4"/>
-            <p:cNvSpPr txBox="1"/>
-            <p:nvPr/>
-          </p:nvSpPr>
-          <p:spPr>
-            <a:xfrm>
-              <a:off x="4602480" y="2915920"/>
-              <a:ext cx="3383280" cy="307777"/>
-            </a:xfrm>
-            <a:prstGeom prst="rect">
-              <a:avLst/>
-            </a:prstGeom>
-            <a:noFill/>
-          </p:spPr>
-          <p:txBody>
-            <a:bodyPr wrap="square" rtlCol="0">
-              <a:spAutoFit/>
-            </a:bodyPr>
-            <a:lstStyle/>
-            <a:p>
-              <a:r>
-                <a:rPr lang="en-US" sz="1400" dirty="0" smtClean="0"/>
-                <a:t>a               ab              </a:t>
-              </a:r>
-              <a:r>
-                <a:rPr lang="en-US" sz="1400" dirty="0" smtClean="0"/>
-                <a:t>ab</a:t>
-              </a:r>
-              <a:r>
-                <a:rPr lang="en-US" sz="1400" dirty="0" smtClean="0"/>
-                <a:t>  	          a	     b</a:t>
-              </a:r>
-              <a:endParaRPr lang="en-US" sz="1400" dirty="0"/>
-            </a:p>
-          </p:txBody>
-        </p:sp>
-      </p:grpSp>
+          <a:prstGeom prst="rect">
+            <a:avLst/>
+          </a:prstGeom>
+        </p:spPr>
+      </p:pic>
+      <p:sp>
+        <p:nvSpPr>
+          <p:cNvPr id="5" name="TextBox 4"/>
+          <p:cNvSpPr txBox="1"/>
+          <p:nvPr/>
+        </p:nvSpPr>
+        <p:spPr>
+          <a:xfrm>
+            <a:off x="4602480" y="2915920"/>
+            <a:ext cx="3383280" cy="307777"/>
+          </a:xfrm>
+          <a:prstGeom prst="rect">
+            <a:avLst/>
+          </a:prstGeom>
+          <a:noFill/>
+        </p:spPr>
+        <p:txBody>
+          <a:bodyPr wrap="square" rtlCol="0">
+            <a:spAutoFit/>
+          </a:bodyPr>
+          <a:lstStyle/>
+          <a:p>
+            <a:r>
+              <a:rPr lang="en-US" sz="1400" dirty="0" smtClean="0"/>
+              <a:t>a               ab              ab  	          a	     b</a:t>
+            </a:r>
+            <a:endParaRPr lang="en-US" sz="1400" dirty="0"/>
+          </a:p>
+        </p:txBody>
+      </p:sp>
     </p:spTree>
     <p:extLst>
       <p:ext uri="{BB962C8B-B14F-4D97-AF65-F5344CB8AC3E}">
@@ -3224,7 +3201,7 @@
                 <a:t>   a                bc                </a:t>
               </a:r>
               <a:r>
-                <a:rPr lang="en-US" sz="1400" dirty="0" smtClean="0"/>
+                <a:rPr lang="en-US" sz="1400" dirty="0" err="1" smtClean="0"/>
                 <a:t>bc</a:t>
               </a:r>
               <a:r>
@@ -3240,6 +3217,438 @@
     <p:extLst>
       <p:ext uri="{BB962C8B-B14F-4D97-AF65-F5344CB8AC3E}">
         <p14:creationId xmlns:p14="http://schemas.microsoft.com/office/powerpoint/2010/main" val="2623940542"/>
+      </p:ext>
+    </p:extLst>
+  </p:cSld>
+  <p:clrMapOvr>
+    <a:masterClrMapping/>
+  </p:clrMapOvr>
+</p:sld>
+</file>
+
+<file path=ppt/slides/slide4.xml><?xml version="1.0" encoding="utf-8"?>
+<p:sld xmlns:a="http://schemas.openxmlformats.org/drawingml/2006/main" xmlns:r="http://schemas.openxmlformats.org/officeDocument/2006/relationships" xmlns:p="http://schemas.openxmlformats.org/presentationml/2006/main">
+  <p:cSld>
+    <p:spTree>
+      <p:nvGrpSpPr>
+        <p:cNvPr id="1" name=""/>
+        <p:cNvGrpSpPr/>
+        <p:nvPr/>
+      </p:nvGrpSpPr>
+      <p:grpSpPr>
+        <a:xfrm>
+          <a:off x="0" y="0"/>
+          <a:ext cx="0" cy="0"/>
+          <a:chOff x="0" y="0"/>
+          <a:chExt cx="0" cy="0"/>
+        </a:xfrm>
+      </p:grpSpPr>
+      <p:grpSp>
+        <p:nvGrpSpPr>
+          <p:cNvPr id="6" name="Group 5"/>
+          <p:cNvGrpSpPr/>
+          <p:nvPr/>
+        </p:nvGrpSpPr>
+        <p:grpSpPr>
+          <a:xfrm>
+            <a:off x="2190044" y="654756"/>
+            <a:ext cx="5554134" cy="4775199"/>
+            <a:chOff x="2190044" y="654756"/>
+            <a:chExt cx="5554134" cy="4775199"/>
+          </a:xfrm>
+        </p:grpSpPr>
+        <p:pic>
+          <p:nvPicPr>
+            <p:cNvPr id="4" name="Picture 3"/>
+            <p:cNvPicPr>
+              <a:picLocks noChangeAspect="1"/>
+            </p:cNvPicPr>
+            <p:nvPr/>
+          </p:nvPicPr>
+          <p:blipFill rotWithShape="1">
+            <a:blip r:embed="rId2" cstate="print">
+              <a:extLst>
+                <a:ext uri="{28A0092B-C50C-407E-A947-70E740481C1C}">
+                  <a14:useLocalDpi xmlns:a14="http://schemas.microsoft.com/office/drawing/2010/main" val="0"/>
+                </a:ext>
+              </a:extLst>
+            </a:blip>
+            <a:srcRect t="328" r="17192" b="-1"/>
+            <a:stretch/>
+          </p:blipFill>
+          <p:spPr>
+            <a:xfrm>
+              <a:off x="2190044" y="654756"/>
+              <a:ext cx="5554134" cy="4775199"/>
+            </a:xfrm>
+            <a:prstGeom prst="rect">
+              <a:avLst/>
+            </a:prstGeom>
+          </p:spPr>
+        </p:pic>
+        <p:sp>
+          <p:nvSpPr>
+            <p:cNvPr id="5" name="TextBox 4"/>
+            <p:cNvSpPr txBox="1"/>
+            <p:nvPr/>
+          </p:nvSpPr>
+          <p:spPr>
+            <a:xfrm>
+              <a:off x="3101057" y="2734578"/>
+              <a:ext cx="4281875" cy="307777"/>
+            </a:xfrm>
+            <a:prstGeom prst="rect">
+              <a:avLst/>
+            </a:prstGeom>
+            <a:noFill/>
+          </p:spPr>
+          <p:txBody>
+            <a:bodyPr wrap="square" rtlCol="0">
+              <a:spAutoFit/>
+            </a:bodyPr>
+            <a:lstStyle/>
+            <a:p>
+              <a:r>
+                <a:rPr lang="en-US" sz="1400" dirty="0" smtClean="0"/>
+                <a:t>  ab              </a:t>
+              </a:r>
+              <a:r>
+                <a:rPr lang="en-US" sz="1400" dirty="0" smtClean="0"/>
+                <a:t>   </a:t>
+              </a:r>
+              <a:r>
+                <a:rPr lang="en-US" sz="1400" dirty="0" smtClean="0"/>
+                <a:t>ab</a:t>
+              </a:r>
+              <a:r>
+                <a:rPr lang="en-US" sz="1400" dirty="0" smtClean="0"/>
+                <a:t>                 bc </a:t>
+              </a:r>
+              <a:r>
+                <a:rPr lang="en-US" sz="1400" dirty="0" smtClean="0"/>
+                <a:t>	   </a:t>
+              </a:r>
+              <a:r>
+                <a:rPr lang="en-US" sz="1400" dirty="0" smtClean="0"/>
+                <a:t> </a:t>
+              </a:r>
+              <a:r>
+                <a:rPr lang="en-US" sz="1400" dirty="0" smtClean="0"/>
+                <a:t>a	 </a:t>
+              </a:r>
+              <a:r>
+                <a:rPr lang="en-US" sz="1400" dirty="0" smtClean="0"/>
+                <a:t>  </a:t>
+              </a:r>
+              <a:r>
+                <a:rPr lang="en-US" sz="1400" dirty="0" smtClean="0"/>
+                <a:t>bc</a:t>
+              </a:r>
+              <a:endParaRPr lang="en-US" sz="1400" dirty="0"/>
+            </a:p>
+          </p:txBody>
+        </p:sp>
+      </p:grpSp>
+    </p:spTree>
+    <p:extLst>
+      <p:ext uri="{BB962C8B-B14F-4D97-AF65-F5344CB8AC3E}">
+        <p14:creationId xmlns:p14="http://schemas.microsoft.com/office/powerpoint/2010/main" val="1644296041"/>
+      </p:ext>
+    </p:extLst>
+  </p:cSld>
+  <p:clrMapOvr>
+    <a:masterClrMapping/>
+  </p:clrMapOvr>
+</p:sld>
+</file>
+
+<file path=ppt/slides/slide5.xml><?xml version="1.0" encoding="utf-8"?>
+<p:sld xmlns:a="http://schemas.openxmlformats.org/drawingml/2006/main" xmlns:r="http://schemas.openxmlformats.org/officeDocument/2006/relationships" xmlns:p="http://schemas.openxmlformats.org/presentationml/2006/main">
+  <p:cSld>
+    <p:spTree>
+      <p:nvGrpSpPr>
+        <p:cNvPr id="1" name=""/>
+        <p:cNvGrpSpPr/>
+        <p:nvPr/>
+      </p:nvGrpSpPr>
+      <p:grpSpPr>
+        <a:xfrm>
+          <a:off x="0" y="0"/>
+          <a:ext cx="0" cy="0"/>
+          <a:chOff x="0" y="0"/>
+          <a:chExt cx="0" cy="0"/>
+        </a:xfrm>
+      </p:grpSpPr>
+      <p:grpSp>
+        <p:nvGrpSpPr>
+          <p:cNvPr id="6" name="Group 5"/>
+          <p:cNvGrpSpPr/>
+          <p:nvPr/>
+        </p:nvGrpSpPr>
+        <p:grpSpPr>
+          <a:xfrm>
+            <a:off x="3713198" y="855371"/>
+            <a:ext cx="5161843" cy="4428873"/>
+            <a:chOff x="3713198" y="855371"/>
+            <a:chExt cx="5161843" cy="4428873"/>
+          </a:xfrm>
+        </p:grpSpPr>
+        <p:pic>
+          <p:nvPicPr>
+            <p:cNvPr id="4" name="Picture 3"/>
+            <p:cNvPicPr>
+              <a:picLocks noChangeAspect="1"/>
+            </p:cNvPicPr>
+            <p:nvPr/>
+          </p:nvPicPr>
+          <p:blipFill rotWithShape="1">
+            <a:blip r:embed="rId2" cstate="print">
+              <a:extLst>
+                <a:ext uri="{28A0092B-C50C-407E-A947-70E740481C1C}">
+                  <a14:useLocalDpi xmlns:a14="http://schemas.microsoft.com/office/drawing/2010/main" val="0"/>
+                </a:ext>
+              </a:extLst>
+            </a:blip>
+            <a:srcRect r="16750"/>
+            <a:stretch/>
+          </p:blipFill>
+          <p:spPr>
+            <a:xfrm>
+              <a:off x="3713198" y="855371"/>
+              <a:ext cx="5161843" cy="4428873"/>
+            </a:xfrm>
+            <a:prstGeom prst="rect">
+              <a:avLst/>
+            </a:prstGeom>
+          </p:spPr>
+        </p:pic>
+        <p:sp>
+          <p:nvSpPr>
+            <p:cNvPr id="5" name="TextBox 4"/>
+            <p:cNvSpPr txBox="1"/>
+            <p:nvPr/>
+          </p:nvSpPr>
+          <p:spPr>
+            <a:xfrm>
+              <a:off x="4583289" y="2486942"/>
+              <a:ext cx="3928533" cy="307777"/>
+            </a:xfrm>
+            <a:prstGeom prst="rect">
+              <a:avLst/>
+            </a:prstGeom>
+            <a:noFill/>
+          </p:spPr>
+          <p:txBody>
+            <a:bodyPr wrap="square" rtlCol="0">
+              <a:spAutoFit/>
+            </a:bodyPr>
+            <a:lstStyle/>
+            <a:p>
+              <a:r>
+                <a:rPr lang="en-US" sz="1400" dirty="0" smtClean="0"/>
+                <a:t>a              </a:t>
+              </a:r>
+              <a:r>
+                <a:rPr lang="en-US" sz="1400" dirty="0" smtClean="0"/>
+                <a:t>    </a:t>
+              </a:r>
+              <a:r>
+                <a:rPr lang="en-US" sz="1400" dirty="0" smtClean="0"/>
+                <a:t>ab              </a:t>
+              </a:r>
+              <a:r>
+                <a:rPr lang="en-US" sz="1400" dirty="0" smtClean="0"/>
+                <a:t>  </a:t>
+              </a:r>
+              <a:r>
+                <a:rPr lang="en-US" sz="1400" dirty="0" smtClean="0"/>
+                <a:t>ab</a:t>
+              </a:r>
+              <a:r>
+                <a:rPr lang="en-US" sz="1400" dirty="0" smtClean="0"/>
+                <a:t>                    a</a:t>
+              </a:r>
+              <a:r>
+                <a:rPr lang="en-US" sz="1400" dirty="0" smtClean="0"/>
+                <a:t>	     </a:t>
+              </a:r>
+              <a:r>
+                <a:rPr lang="en-US" sz="1400" dirty="0" smtClean="0"/>
+                <a:t>             b</a:t>
+              </a:r>
+              <a:endParaRPr lang="en-US" sz="1400" dirty="0"/>
+            </a:p>
+          </p:txBody>
+        </p:sp>
+      </p:grpSp>
+      <p:pic>
+        <p:nvPicPr>
+          <p:cNvPr id="7" name="Picture 6"/>
+          <p:cNvPicPr>
+            <a:picLocks noChangeAspect="1"/>
+          </p:cNvPicPr>
+          <p:nvPr/>
+        </p:nvPicPr>
+        <p:blipFill>
+          <a:blip r:embed="rId3"/>
+          <a:stretch>
+            <a:fillRect/>
+          </a:stretch>
+        </p:blipFill>
+        <p:spPr>
+          <a:xfrm>
+            <a:off x="6294119" y="1606451"/>
+            <a:ext cx="5163760" cy="4432176"/>
+          </a:xfrm>
+          <a:prstGeom prst="rect">
+            <a:avLst/>
+          </a:prstGeom>
+        </p:spPr>
+      </p:pic>
+    </p:spTree>
+    <p:extLst>
+      <p:ext uri="{BB962C8B-B14F-4D97-AF65-F5344CB8AC3E}">
+        <p14:creationId xmlns:p14="http://schemas.microsoft.com/office/powerpoint/2010/main" val="4195460705"/>
+      </p:ext>
+    </p:extLst>
+  </p:cSld>
+  <p:clrMapOvr>
+    <a:masterClrMapping/>
+  </p:clrMapOvr>
+</p:sld>
+</file>
+
+<file path=ppt/slides/slide6.xml><?xml version="1.0" encoding="utf-8"?>
+<p:sld xmlns:a="http://schemas.openxmlformats.org/drawingml/2006/main" xmlns:r="http://schemas.openxmlformats.org/officeDocument/2006/relationships" xmlns:p="http://schemas.openxmlformats.org/presentationml/2006/main">
+  <p:cSld>
+    <p:spTree>
+      <p:nvGrpSpPr>
+        <p:cNvPr id="1" name=""/>
+        <p:cNvGrpSpPr/>
+        <p:nvPr/>
+      </p:nvGrpSpPr>
+      <p:grpSpPr>
+        <a:xfrm>
+          <a:off x="0" y="0"/>
+          <a:ext cx="0" cy="0"/>
+          <a:chOff x="0" y="0"/>
+          <a:chExt cx="0" cy="0"/>
+        </a:xfrm>
+      </p:grpSpPr>
+      <p:grpSp>
+        <p:nvGrpSpPr>
+          <p:cNvPr id="6" name="Group 5"/>
+          <p:cNvGrpSpPr/>
+          <p:nvPr/>
+        </p:nvGrpSpPr>
+        <p:grpSpPr>
+          <a:xfrm>
+            <a:off x="3112625" y="821805"/>
+            <a:ext cx="5475789" cy="4704970"/>
+            <a:chOff x="2568615" y="717632"/>
+            <a:chExt cx="5475789" cy="4704970"/>
+          </a:xfrm>
+        </p:grpSpPr>
+        <p:pic>
+          <p:nvPicPr>
+            <p:cNvPr id="4" name="Picture 3"/>
+            <p:cNvPicPr>
+              <a:picLocks noChangeAspect="1"/>
+            </p:cNvPicPr>
+            <p:nvPr/>
+          </p:nvPicPr>
+          <p:blipFill rotWithShape="1">
+            <a:blip r:embed="rId2" cstate="print">
+              <a:extLst>
+                <a:ext uri="{28A0092B-C50C-407E-A947-70E740481C1C}">
+                  <a14:useLocalDpi xmlns:a14="http://schemas.microsoft.com/office/drawing/2010/main" val="0"/>
+                </a:ext>
+              </a:extLst>
+            </a:blip>
+            <a:srcRect r="16869"/>
+            <a:stretch/>
+          </p:blipFill>
+          <p:spPr>
+            <a:xfrm>
+              <a:off x="2568615" y="717632"/>
+              <a:ext cx="5475789" cy="4704970"/>
+            </a:xfrm>
+            <a:prstGeom prst="rect">
+              <a:avLst/>
+            </a:prstGeom>
+          </p:spPr>
+        </p:pic>
+        <p:sp>
+          <p:nvSpPr>
+            <p:cNvPr id="5" name="TextBox 4"/>
+            <p:cNvSpPr txBox="1"/>
+            <p:nvPr/>
+          </p:nvSpPr>
+          <p:spPr>
+            <a:xfrm>
+              <a:off x="3449256" y="2167553"/>
+              <a:ext cx="4132162" cy="309429"/>
+            </a:xfrm>
+            <a:prstGeom prst="rect">
+              <a:avLst/>
+            </a:prstGeom>
+            <a:noFill/>
+          </p:spPr>
+          <p:txBody>
+            <a:bodyPr wrap="square" rtlCol="0">
+              <a:spAutoFit/>
+            </a:bodyPr>
+            <a:lstStyle/>
+            <a:p>
+              <a:r>
+                <a:rPr lang="en-US" sz="1400" dirty="0" smtClean="0"/>
+                <a:t>  </a:t>
+              </a:r>
+              <a:r>
+                <a:rPr lang="en-US" sz="1400" dirty="0" smtClean="0"/>
+                <a:t>a               </a:t>
+              </a:r>
+              <a:r>
+                <a:rPr lang="en-US" sz="1400" dirty="0" smtClean="0"/>
+                <a:t>    </a:t>
+              </a:r>
+              <a:r>
+                <a:rPr lang="en-US" sz="1400" dirty="0" smtClean="0"/>
+                <a:t>bc               </a:t>
+              </a:r>
+              <a:r>
+                <a:rPr lang="en-US" sz="1400" dirty="0" smtClean="0"/>
+                <a:t>   </a:t>
+              </a:r>
+              <a:r>
+                <a:rPr lang="en-US" sz="1400" dirty="0" smtClean="0"/>
+                <a:t>bc</a:t>
+              </a:r>
+              <a:r>
+                <a:rPr lang="en-US" sz="1400" dirty="0" smtClean="0"/>
+                <a:t>              </a:t>
+              </a:r>
+              <a:r>
+                <a:rPr lang="en-US" sz="1400" dirty="0" smtClean="0"/>
+                <a:t>       </a:t>
+              </a:r>
+              <a:r>
+                <a:rPr lang="en-US" sz="1400" dirty="0" smtClean="0"/>
+                <a:t>c                </a:t>
+              </a:r>
+              <a:r>
+                <a:rPr lang="en-US" sz="1400" dirty="0" smtClean="0"/>
+                <a:t>   ab </a:t>
+              </a:r>
+              <a:endParaRPr lang="en-US" sz="1400" dirty="0"/>
+            </a:p>
+          </p:txBody>
+        </p:sp>
+      </p:grpSp>
+    </p:spTree>
+    <p:extLst>
+      <p:ext uri="{BB962C8B-B14F-4D97-AF65-F5344CB8AC3E}">
+        <p14:creationId xmlns:p14="http://schemas.microsoft.com/office/powerpoint/2010/main" val="3642526912"/>
       </p:ext>
     </p:extLst>
   </p:cSld>
